--- a/0001-0100/LeetCode 第 40 题：“组合总和  II”题解配图.pptx
+++ b/0001-0100/LeetCode 第 40 题：“组合总和  II”题解配图.pptx
@@ -348,7 +348,7 @@
           <a:p>
             <a:fld id="{7C955CD6-C544-6447-88CB-A2D8D4C328B3}" type="datetimeFigureOut">
               <a:rPr kumimoji="1" lang="zh-CN" altLang="en-US" smtClean="0"/>
-              <a:t>2019/7/21</a:t>
+              <a:t>2019/8/3</a:t>
             </a:fld>
             <a:endParaRPr kumimoji="1" lang="zh-CN" altLang="en-US"/>
           </a:p>
@@ -1553,7 +1553,7 @@
                 <a:latin typeface="Times New Roman" panose="02020603050405020304" pitchFamily="18" charset="0"/>
                 <a:cs typeface="Times New Roman" panose="02020603050405020304" pitchFamily="18" charset="0"/>
               </a:rPr>
-              <a:t> 在数值上相等，而前一个分支考虑的数组的范围更大，因此，这些分支得到的结果一定会重复，把它们减掉。</a:t>
+              <a:t> 在数值上相等，而前一个分支考虑的数组的范围更大，因此，这些分支得到的结果一定会重复，把它们剪枝。</a:t>
             </a:r>
           </a:p>
         </p:txBody>
@@ -3507,7 +3507,7 @@
                 <a:latin typeface="Times New Roman" panose="02020603050405020304" pitchFamily="18" charset="0"/>
                 <a:cs typeface="Times New Roman" panose="02020603050405020304" pitchFamily="18" charset="0"/>
               </a:rPr>
-              <a:t>红色阴影覆盖的部分与红色阴影覆盖的部分重合，保留其一即可。</a:t>
+              <a:t>红色阴影覆盖的部分与黄色阴影覆盖的部分重合，保留其一即可。</a:t>
             </a:r>
             <a:endParaRPr lang="en-US" altLang="zh-CN" sz="1600" b="1" dirty="0">
               <a:latin typeface="Times New Roman" panose="02020603050405020304" pitchFamily="18" charset="0"/>
